--- a/Doxygen/games/1. Top Down Game/figures.pptx
+++ b/Doxygen/games/1. Top Down Game/figures.pptx
@@ -104,6 +104,11 @@
       </a:defRPr>
     </a:lvl9pPr>
   </p:defaultTextStyle>
+  <p:extLst>
+    <p:ext uri="{EFAFB233-063F-42B5-8137-9DF3F51BA10A}">
+      <p15:sldGuideLst xmlns:p15="http://schemas.microsoft.com/office/powerpoint/2012/main"/>
+    </p:ext>
+  </p:extLst>
 </p:presentation>
 </file>
 
@@ -254,7 +259,7 @@
           <a:p>
             <a:fld id="{A2839C38-3006-452A-84B0-E89CEFF386CE}" type="datetimeFigureOut">
               <a:rPr lang="en-US" smtClean="0"/>
-              <a:t>8/15/2023</a:t>
+              <a:t>8/18/2023</a:t>
             </a:fld>
             <a:endParaRPr lang="en-US"/>
           </a:p>
@@ -452,7 +457,7 @@
           <a:p>
             <a:fld id="{A2839C38-3006-452A-84B0-E89CEFF386CE}" type="datetimeFigureOut">
               <a:rPr lang="en-US" smtClean="0"/>
-              <a:t>8/15/2023</a:t>
+              <a:t>8/18/2023</a:t>
             </a:fld>
             <a:endParaRPr lang="en-US"/>
           </a:p>
@@ -660,7 +665,7 @@
           <a:p>
             <a:fld id="{A2839C38-3006-452A-84B0-E89CEFF386CE}" type="datetimeFigureOut">
               <a:rPr lang="en-US" smtClean="0"/>
-              <a:t>8/15/2023</a:t>
+              <a:t>8/18/2023</a:t>
             </a:fld>
             <a:endParaRPr lang="en-US"/>
           </a:p>
@@ -858,7 +863,7 @@
           <a:p>
             <a:fld id="{A2839C38-3006-452A-84B0-E89CEFF386CE}" type="datetimeFigureOut">
               <a:rPr lang="en-US" smtClean="0"/>
-              <a:t>8/15/2023</a:t>
+              <a:t>8/18/2023</a:t>
             </a:fld>
             <a:endParaRPr lang="en-US"/>
           </a:p>
@@ -1133,7 +1138,7 @@
           <a:p>
             <a:fld id="{A2839C38-3006-452A-84B0-E89CEFF386CE}" type="datetimeFigureOut">
               <a:rPr lang="en-US" smtClean="0"/>
-              <a:t>8/15/2023</a:t>
+              <a:t>8/18/2023</a:t>
             </a:fld>
             <a:endParaRPr lang="en-US"/>
           </a:p>
@@ -1398,7 +1403,7 @@
           <a:p>
             <a:fld id="{A2839C38-3006-452A-84B0-E89CEFF386CE}" type="datetimeFigureOut">
               <a:rPr lang="en-US" smtClean="0"/>
-              <a:t>8/15/2023</a:t>
+              <a:t>8/18/2023</a:t>
             </a:fld>
             <a:endParaRPr lang="en-US"/>
           </a:p>
@@ -1810,7 +1815,7 @@
           <a:p>
             <a:fld id="{A2839C38-3006-452A-84B0-E89CEFF386CE}" type="datetimeFigureOut">
               <a:rPr lang="en-US" smtClean="0"/>
-              <a:t>8/15/2023</a:t>
+              <a:t>8/18/2023</a:t>
             </a:fld>
             <a:endParaRPr lang="en-US"/>
           </a:p>
@@ -1951,7 +1956,7 @@
           <a:p>
             <a:fld id="{A2839C38-3006-452A-84B0-E89CEFF386CE}" type="datetimeFigureOut">
               <a:rPr lang="en-US" smtClean="0"/>
-              <a:t>8/15/2023</a:t>
+              <a:t>8/18/2023</a:t>
             </a:fld>
             <a:endParaRPr lang="en-US"/>
           </a:p>
@@ -2064,7 +2069,7 @@
           <a:p>
             <a:fld id="{A2839C38-3006-452A-84B0-E89CEFF386CE}" type="datetimeFigureOut">
               <a:rPr lang="en-US" smtClean="0"/>
-              <a:t>8/15/2023</a:t>
+              <a:t>8/18/2023</a:t>
             </a:fld>
             <a:endParaRPr lang="en-US"/>
           </a:p>
@@ -2375,7 +2380,7 @@
           <a:p>
             <a:fld id="{A2839C38-3006-452A-84B0-E89CEFF386CE}" type="datetimeFigureOut">
               <a:rPr lang="en-US" smtClean="0"/>
-              <a:t>8/15/2023</a:t>
+              <a:t>8/18/2023</a:t>
             </a:fld>
             <a:endParaRPr lang="en-US"/>
           </a:p>
@@ -2663,7 +2668,7 @@
           <a:p>
             <a:fld id="{A2839C38-3006-452A-84B0-E89CEFF386CE}" type="datetimeFigureOut">
               <a:rPr lang="en-US" smtClean="0"/>
-              <a:t>8/15/2023</a:t>
+              <a:t>8/18/2023</a:t>
             </a:fld>
             <a:endParaRPr lang="en-US"/>
           </a:p>
@@ -2904,7 +2909,7 @@
           <a:p>
             <a:fld id="{A2839C38-3006-452A-84B0-E89CEFF386CE}" type="datetimeFigureOut">
               <a:rPr lang="en-US" smtClean="0"/>
-              <a:t>8/15/2023</a:t>
+              <a:t>8/18/2023</a:t>
             </a:fld>
             <a:endParaRPr lang="en-US"/>
           </a:p>
@@ -3343,8 +3348,8 @@
         </p:blipFill>
         <p:spPr>
           <a:xfrm>
-            <a:off x="2504666" y="1049027"/>
-            <a:ext cx="7716594" cy="4778805"/>
+            <a:off x="2504666" y="2414904"/>
+            <a:ext cx="5511038" cy="3412928"/>
           </a:xfrm>
           <a:prstGeom prst="rect">
             <a:avLst/>
@@ -3365,15 +3370,15 @@
         </p:nvSpPr>
         <p:spPr>
           <a:xfrm>
-            <a:off x="2504666" y="1049027"/>
-            <a:ext cx="7716594" cy="4759946"/>
+            <a:off x="2501864" y="2414903"/>
+            <a:ext cx="5513839" cy="3426485"/>
           </a:xfrm>
           <a:prstGeom prst="rect">
             <a:avLst/>
           </a:prstGeom>
           <a:solidFill>
             <a:schemeClr val="bg1">
-              <a:alpha val="44000"/>
+              <a:alpha val="66000"/>
             </a:schemeClr>
           </a:solidFill>
           <a:ln>
@@ -3421,8 +3426,8 @@
         </p:nvCxnSpPr>
         <p:spPr>
           <a:xfrm>
-            <a:off x="2504666" y="1049027"/>
-            <a:ext cx="7716594" cy="4778805"/>
+            <a:off x="2486649" y="2414902"/>
+            <a:ext cx="5529054" cy="3412930"/>
           </a:xfrm>
           <a:prstGeom prst="line">
             <a:avLst/>
@@ -3431,7 +3436,7 @@
             <a:solidFill>
               <a:srgbClr val="92D050"/>
             </a:solidFill>
-            <a:prstDash val="dash"/>
+            <a:prstDash val="solid"/>
           </a:ln>
         </p:spPr>
         <p:style>
@@ -3465,8 +3470,8 @@
         </p:nvCxnSpPr>
         <p:spPr>
           <a:xfrm flipV="1">
-            <a:off x="2504666" y="1072105"/>
-            <a:ext cx="7727003" cy="4736868"/>
+            <a:off x="2494257" y="2414902"/>
+            <a:ext cx="5521446" cy="3419708"/>
           </a:xfrm>
           <a:prstGeom prst="line">
             <a:avLst/>
@@ -3475,7 +3480,7 @@
             <a:solidFill>
               <a:srgbClr val="92D050"/>
             </a:solidFill>
-            <a:prstDash val="dash"/>
+            <a:prstDash val="solid"/>
           </a:ln>
         </p:spPr>
         <p:style>
@@ -3507,7 +3512,7 @@
         </p:nvSpPr>
         <p:spPr>
           <a:xfrm>
-            <a:off x="6271523" y="3337560"/>
+            <a:off x="5141736" y="4029927"/>
             <a:ext cx="182880" cy="182880"/>
           </a:xfrm>
           <a:prstGeom prst="ellipse">
@@ -3566,8 +3571,8 @@
         </p:nvSpPr>
         <p:spPr>
           <a:xfrm>
-            <a:off x="5943337" y="586271"/>
-            <a:ext cx="838726" cy="461665"/>
+            <a:off x="4768842" y="1945437"/>
+            <a:ext cx="745787" cy="430887"/>
           </a:xfrm>
           <a:prstGeom prst="rect">
             <a:avLst/>
@@ -3582,7 +3587,7 @@
           <a:p>
             <a:pPr algn="ctr"/>
             <a:r>
-              <a:rPr lang="en-US" sz="2400" dirty="0"/>
+              <a:rPr lang="en-US" sz="2200" dirty="0"/>
               <a:t>128</a:t>
             </a:r>
           </a:p>
@@ -3602,8 +3607,8 @@
         </p:nvSpPr>
         <p:spPr>
           <a:xfrm>
-            <a:off x="1924936" y="3243156"/>
-            <a:ext cx="657948" cy="461665"/>
+            <a:off x="1836308" y="3981974"/>
+            <a:ext cx="657948" cy="430887"/>
           </a:xfrm>
           <a:prstGeom prst="rect">
             <a:avLst/>
@@ -3618,7 +3623,7 @@
           <a:p>
             <a:pPr algn="ctr"/>
             <a:r>
-              <a:rPr lang="en-US" sz="2400" dirty="0"/>
+              <a:rPr lang="en-US" sz="2200" dirty="0"/>
               <a:t>76</a:t>
             </a:r>
           </a:p>
@@ -3641,8 +3646,8 @@
         </p:nvCxnSpPr>
         <p:spPr>
           <a:xfrm>
-            <a:off x="6782063" y="817104"/>
-            <a:ext cx="3449343" cy="0"/>
+            <a:off x="5514629" y="2160881"/>
+            <a:ext cx="2501074" cy="15389"/>
           </a:xfrm>
           <a:prstGeom prst="straightConnector1">
             <a:avLst/>
@@ -3689,8 +3694,8 @@
         </p:nvCxnSpPr>
         <p:spPr>
           <a:xfrm flipV="1">
-            <a:off x="2491891" y="817104"/>
-            <a:ext cx="3451446" cy="11166"/>
+            <a:off x="2486649" y="2160881"/>
+            <a:ext cx="2282193" cy="22579"/>
           </a:xfrm>
           <a:prstGeom prst="straightConnector1">
             <a:avLst/>
@@ -3738,8 +3743,8 @@
         </p:nvCxnSpPr>
         <p:spPr>
           <a:xfrm>
-            <a:off x="2253910" y="1095752"/>
-            <a:ext cx="0" cy="2147404"/>
+            <a:off x="2165282" y="2414902"/>
+            <a:ext cx="0" cy="1567072"/>
           </a:xfrm>
           <a:prstGeom prst="straightConnector1">
             <a:avLst/>
@@ -3787,8 +3792,8 @@
         </p:nvCxnSpPr>
         <p:spPr>
           <a:xfrm>
-            <a:off x="2253910" y="3704821"/>
-            <a:ext cx="0" cy="2139712"/>
+            <a:off x="2165282" y="4412861"/>
+            <a:ext cx="0" cy="1428527"/>
           </a:xfrm>
           <a:prstGeom prst="straightConnector1">
             <a:avLst/>
@@ -3833,7 +3838,7 @@
         </p:nvSpPr>
         <p:spPr>
           <a:xfrm>
-            <a:off x="10106547" y="4492647"/>
+            <a:off x="7901621" y="4850880"/>
             <a:ext cx="182880" cy="182880"/>
           </a:xfrm>
           <a:prstGeom prst="ellipse">
@@ -3889,18 +3894,19 @@
           </p:cNvPr>
           <p:cNvCxnSpPr>
             <a:cxnSpLocks/>
+            <a:stCxn id="12" idx="6"/>
           </p:cNvCxnSpPr>
           <p:nvPr/>
         </p:nvCxnSpPr>
         <p:spPr>
           <a:xfrm>
-            <a:off x="6362700" y="3423920"/>
-            <a:ext cx="3754120" cy="1140460"/>
+            <a:off x="5324616" y="4121367"/>
+            <a:ext cx="2577005" cy="792287"/>
           </a:xfrm>
           <a:prstGeom prst="straightConnector1">
             <a:avLst/>
           </a:prstGeom>
-          <a:ln w="50800">
+          <a:ln w="50800" cap="sq">
             <a:solidFill>
               <a:schemeClr val="tx1"/>
             </a:solidFill>
@@ -3943,7 +3949,7 @@
         </p:nvSpPr>
         <p:spPr>
           <a:xfrm>
-            <a:off x="4158651" y="3428351"/>
+            <a:off x="3741556" y="4176122"/>
             <a:ext cx="182880" cy="182880"/>
           </a:xfrm>
           <a:prstGeom prst="ellipse">
@@ -4006,8 +4012,8 @@
         </p:nvCxnSpPr>
         <p:spPr>
           <a:xfrm flipH="1">
-            <a:off x="4341531" y="3429000"/>
-            <a:ext cx="1929992" cy="90791"/>
+            <a:off x="3924436" y="4121367"/>
+            <a:ext cx="1217300" cy="146195"/>
           </a:xfrm>
           <a:prstGeom prst="straightConnector1">
             <a:avLst/>
@@ -4055,8 +4061,8 @@
         </p:nvSpPr>
         <p:spPr>
           <a:xfrm>
-            <a:off x="3319792" y="2549673"/>
-            <a:ext cx="1703514" cy="830997"/>
+            <a:off x="2936984" y="3393068"/>
+            <a:ext cx="1703514" cy="769441"/>
           </a:xfrm>
           <a:prstGeom prst="rect">
             <a:avLst/>
@@ -4071,7 +4077,7 @@
           <a:p>
             <a:pPr algn="ctr"/>
             <a:r>
-              <a:rPr lang="en-US" sz="2400" dirty="0"/>
+              <a:rPr lang="en-US" sz="2200" dirty="0"/>
               <a:t>Center of Rotation</a:t>
             </a:r>
           </a:p>
@@ -4079,10 +4085,10 @@
       </p:sp>
       <p:sp>
         <p:nvSpPr>
-          <p:cNvPr id="42" name="TextBox 41">
-            <a:extLst>
-              <a:ext uri="{FF2B5EF4-FFF2-40B4-BE49-F238E27FC236}">
-                <a16:creationId xmlns:a16="http://schemas.microsoft.com/office/drawing/2014/main" id="{B225C2C9-5543-A985-00E6-1AC9B9A3A02B}"/>
+          <p:cNvPr id="43" name="TextBox 42">
+            <a:extLst>
+              <a:ext uri="{FF2B5EF4-FFF2-40B4-BE49-F238E27FC236}">
+                <a16:creationId xmlns:a16="http://schemas.microsoft.com/office/drawing/2014/main" id="{BA517DAD-F35D-1211-5DCB-03C0180AB4D1}"/>
               </a:ext>
             </a:extLst>
           </p:cNvPr>
@@ -4091,8 +4097,8 @@
         </p:nvSpPr>
         <p:spPr>
           <a:xfrm>
-            <a:off x="5510943" y="2468037"/>
-            <a:ext cx="1703514" cy="830997"/>
+            <a:off x="7171554" y="4978373"/>
+            <a:ext cx="1703514" cy="769441"/>
           </a:xfrm>
           <a:prstGeom prst="rect">
             <a:avLst/>
@@ -4107,18 +4113,25 @@
           <a:p>
             <a:pPr algn="ctr"/>
             <a:r>
-              <a:rPr lang="en-US" sz="2400" dirty="0"/>
-              <a:t>Center of Sprite</a:t>
-            </a:r>
-          </a:p>
-        </p:txBody>
-      </p:sp>
-      <p:sp>
-        <p:nvSpPr>
-          <p:cNvPr id="43" name="TextBox 42">
-            <a:extLst>
-              <a:ext uri="{FF2B5EF4-FFF2-40B4-BE49-F238E27FC236}">
-                <a16:creationId xmlns:a16="http://schemas.microsoft.com/office/drawing/2014/main" id="{BA517DAD-F35D-1211-5DCB-03C0180AB4D1}"/>
+              <a:rPr lang="en-US" sz="2200" dirty="0"/>
+              <a:t>End of</a:t>
+            </a:r>
+          </a:p>
+          <a:p>
+            <a:pPr algn="ctr"/>
+            <a:r>
+              <a:rPr lang="en-US" sz="2200" dirty="0"/>
+              <a:t>Gun Barrel</a:t>
+            </a:r>
+          </a:p>
+        </p:txBody>
+      </p:sp>
+      <p:sp>
+        <p:nvSpPr>
+          <p:cNvPr id="44" name="TextBox 43">
+            <a:extLst>
+              <a:ext uri="{FF2B5EF4-FFF2-40B4-BE49-F238E27FC236}">
+                <a16:creationId xmlns:a16="http://schemas.microsoft.com/office/drawing/2014/main" id="{EA0BA5B0-A509-0545-9973-72DC082E4344}"/>
               </a:ext>
             </a:extLst>
           </p:cNvPr>
@@ -4126,9 +4139,9 @@
           <p:nvPr/>
         </p:nvSpPr>
         <p:spPr>
-          <a:xfrm>
-            <a:off x="9265063" y="3520440"/>
-            <a:ext cx="1703514" cy="830997"/>
+          <a:xfrm rot="1034230">
+            <a:off x="5361869" y="4076386"/>
+            <a:ext cx="2574252" cy="430887"/>
           </a:xfrm>
           <a:prstGeom prst="rect">
             <a:avLst/>
@@ -4143,25 +4156,18 @@
           <a:p>
             <a:pPr algn="ctr"/>
             <a:r>
-              <a:rPr lang="en-US" sz="2400" dirty="0"/>
-              <a:t>End of</a:t>
-            </a:r>
-          </a:p>
-          <a:p>
-            <a:pPr algn="ctr"/>
-            <a:r>
-              <a:rPr lang="en-US" sz="2400" dirty="0"/>
-              <a:t>Gun Barrel</a:t>
-            </a:r>
-          </a:p>
-        </p:txBody>
-      </p:sp>
-      <p:sp>
-        <p:nvSpPr>
-          <p:cNvPr id="44" name="TextBox 43">
-            <a:extLst>
-              <a:ext uri="{FF2B5EF4-FFF2-40B4-BE49-F238E27FC236}">
-                <a16:creationId xmlns:a16="http://schemas.microsoft.com/office/drawing/2014/main" id="{EA0BA5B0-A509-0545-9973-72DC082E4344}"/>
+              <a:rPr lang="en-US" sz="2200" dirty="0"/>
+              <a:t>Gun Offset</a:t>
+            </a:r>
+          </a:p>
+        </p:txBody>
+      </p:sp>
+      <p:sp>
+        <p:nvSpPr>
+          <p:cNvPr id="45" name="TextBox 44">
+            <a:extLst>
+              <a:ext uri="{FF2B5EF4-FFF2-40B4-BE49-F238E27FC236}">
+                <a16:creationId xmlns:a16="http://schemas.microsoft.com/office/drawing/2014/main" id="{1C9730ED-8A21-2067-FC9A-6A05821A1804}"/>
               </a:ext>
             </a:extLst>
           </p:cNvPr>
@@ -4169,9 +4175,9 @@
           <p:nvPr/>
         </p:nvSpPr>
         <p:spPr>
-          <a:xfrm rot="1034230">
-            <a:off x="6867826" y="3474346"/>
-            <a:ext cx="2574252" cy="461665"/>
+          <a:xfrm rot="21237194">
+            <a:off x="4094682" y="4161772"/>
+            <a:ext cx="1254938" cy="769441"/>
           </a:xfrm>
           <a:prstGeom prst="rect">
             <a:avLst/>
@@ -4186,44 +4192,15 @@
           <a:p>
             <a:pPr algn="ctr"/>
             <a:r>
-              <a:rPr lang="en-US" sz="2400" dirty="0"/>
-              <a:t>Gun Barrel Offset</a:t>
-            </a:r>
-          </a:p>
-        </p:txBody>
-      </p:sp>
-      <p:sp>
-        <p:nvSpPr>
-          <p:cNvPr id="45" name="TextBox 44">
-            <a:extLst>
-              <a:ext uri="{FF2B5EF4-FFF2-40B4-BE49-F238E27FC236}">
-                <a16:creationId xmlns:a16="http://schemas.microsoft.com/office/drawing/2014/main" id="{1C9730ED-8A21-2067-FC9A-6A05821A1804}"/>
-              </a:ext>
-            </a:extLst>
-          </p:cNvPr>
-          <p:cNvSpPr txBox="1"/>
-          <p:nvPr/>
-        </p:nvSpPr>
-        <p:spPr>
-          <a:xfrm rot="21434317">
-            <a:off x="4540311" y="3455713"/>
-            <a:ext cx="1941262" cy="461665"/>
-          </a:xfrm>
-          <a:prstGeom prst="rect">
-            <a:avLst/>
-          </a:prstGeom>
-          <a:noFill/>
-        </p:spPr>
-        <p:txBody>
-          <a:bodyPr wrap="square" rtlCol="0">
-            <a:spAutoFit/>
-          </a:bodyPr>
-          <a:lstStyle/>
+              <a:rPr lang="en-US" sz="2200" dirty="0"/>
+              <a:t>Center</a:t>
+            </a:r>
+          </a:p>
           <a:p>
             <a:pPr algn="ctr"/>
             <a:r>
-              <a:rPr lang="en-US" sz="2400" dirty="0"/>
-              <a:t>Center Offset</a:t>
+              <a:rPr lang="en-US" sz="2200" dirty="0"/>
+              <a:t>Offset</a:t>
             </a:r>
           </a:p>
         </p:txBody>

--- a/Doxygen/games/1. Top Down Game/figures.pptx
+++ b/Doxygen/games/1. Top Down Game/figures.pptx
@@ -259,7 +259,7 @@
           <a:p>
             <a:fld id="{A2839C38-3006-452A-84B0-E89CEFF386CE}" type="datetimeFigureOut">
               <a:rPr lang="en-US" smtClean="0"/>
-              <a:t>8/18/2023</a:t>
+              <a:t>8/21/2023</a:t>
             </a:fld>
             <a:endParaRPr lang="en-US"/>
           </a:p>
@@ -457,7 +457,7 @@
           <a:p>
             <a:fld id="{A2839C38-3006-452A-84B0-E89CEFF386CE}" type="datetimeFigureOut">
               <a:rPr lang="en-US" smtClean="0"/>
-              <a:t>8/18/2023</a:t>
+              <a:t>8/21/2023</a:t>
             </a:fld>
             <a:endParaRPr lang="en-US"/>
           </a:p>
@@ -665,7 +665,7 @@
           <a:p>
             <a:fld id="{A2839C38-3006-452A-84B0-E89CEFF386CE}" type="datetimeFigureOut">
               <a:rPr lang="en-US" smtClean="0"/>
-              <a:t>8/18/2023</a:t>
+              <a:t>8/21/2023</a:t>
             </a:fld>
             <a:endParaRPr lang="en-US"/>
           </a:p>
@@ -863,7 +863,7 @@
           <a:p>
             <a:fld id="{A2839C38-3006-452A-84B0-E89CEFF386CE}" type="datetimeFigureOut">
               <a:rPr lang="en-US" smtClean="0"/>
-              <a:t>8/18/2023</a:t>
+              <a:t>8/21/2023</a:t>
             </a:fld>
             <a:endParaRPr lang="en-US"/>
           </a:p>
@@ -1138,7 +1138,7 @@
           <a:p>
             <a:fld id="{A2839C38-3006-452A-84B0-E89CEFF386CE}" type="datetimeFigureOut">
               <a:rPr lang="en-US" smtClean="0"/>
-              <a:t>8/18/2023</a:t>
+              <a:t>8/21/2023</a:t>
             </a:fld>
             <a:endParaRPr lang="en-US"/>
           </a:p>
@@ -1403,7 +1403,7 @@
           <a:p>
             <a:fld id="{A2839C38-3006-452A-84B0-E89CEFF386CE}" type="datetimeFigureOut">
               <a:rPr lang="en-US" smtClean="0"/>
-              <a:t>8/18/2023</a:t>
+              <a:t>8/21/2023</a:t>
             </a:fld>
             <a:endParaRPr lang="en-US"/>
           </a:p>
@@ -1815,7 +1815,7 @@
           <a:p>
             <a:fld id="{A2839C38-3006-452A-84B0-E89CEFF386CE}" type="datetimeFigureOut">
               <a:rPr lang="en-US" smtClean="0"/>
-              <a:t>8/18/2023</a:t>
+              <a:t>8/21/2023</a:t>
             </a:fld>
             <a:endParaRPr lang="en-US"/>
           </a:p>
@@ -1956,7 +1956,7 @@
           <a:p>
             <a:fld id="{A2839C38-3006-452A-84B0-E89CEFF386CE}" type="datetimeFigureOut">
               <a:rPr lang="en-US" smtClean="0"/>
-              <a:t>8/18/2023</a:t>
+              <a:t>8/21/2023</a:t>
             </a:fld>
             <a:endParaRPr lang="en-US"/>
           </a:p>
@@ -2069,7 +2069,7 @@
           <a:p>
             <a:fld id="{A2839C38-3006-452A-84B0-E89CEFF386CE}" type="datetimeFigureOut">
               <a:rPr lang="en-US" smtClean="0"/>
-              <a:t>8/18/2023</a:t>
+              <a:t>8/21/2023</a:t>
             </a:fld>
             <a:endParaRPr lang="en-US"/>
           </a:p>
@@ -2380,7 +2380,7 @@
           <a:p>
             <a:fld id="{A2839C38-3006-452A-84B0-E89CEFF386CE}" type="datetimeFigureOut">
               <a:rPr lang="en-US" smtClean="0"/>
-              <a:t>8/18/2023</a:t>
+              <a:t>8/21/2023</a:t>
             </a:fld>
             <a:endParaRPr lang="en-US"/>
           </a:p>
@@ -2668,7 +2668,7 @@
           <a:p>
             <a:fld id="{A2839C38-3006-452A-84B0-E89CEFF386CE}" type="datetimeFigureOut">
               <a:rPr lang="en-US" smtClean="0"/>
-              <a:t>8/18/2023</a:t>
+              <a:t>8/21/2023</a:t>
             </a:fld>
             <a:endParaRPr lang="en-US"/>
           </a:p>
@@ -2909,7 +2909,7 @@
           <a:p>
             <a:fld id="{A2839C38-3006-452A-84B0-E89CEFF386CE}" type="datetimeFigureOut">
               <a:rPr lang="en-US" smtClean="0"/>
-              <a:t>8/18/2023</a:t>
+              <a:t>8/21/2023</a:t>
             </a:fld>
             <a:endParaRPr lang="en-US"/>
           </a:p>
@@ -3354,6 +3354,9 @@
           <a:prstGeom prst="rect">
             <a:avLst/>
           </a:prstGeom>
+          <a:ln w="50800">
+            <a:noFill/>
+          </a:ln>
         </p:spPr>
       </p:pic>
       <p:sp>
@@ -3370,7 +3373,7 @@
         </p:nvSpPr>
         <p:spPr>
           <a:xfrm>
-            <a:off x="2501864" y="2414903"/>
+            <a:off x="2494256" y="2439925"/>
             <a:ext cx="5513839" cy="3426485"/>
           </a:xfrm>
           <a:prstGeom prst="rect">
@@ -3381,8 +3384,10 @@
               <a:alpha val="66000"/>
             </a:schemeClr>
           </a:solidFill>
-          <a:ln>
-            <a:noFill/>
+          <a:ln w="50800">
+            <a:solidFill>
+              <a:srgbClr val="92D050"/>
+            </a:solidFill>
           </a:ln>
         </p:spPr>
         <p:style>
@@ -3426,8 +3431,8 @@
         </p:nvCxnSpPr>
         <p:spPr>
           <a:xfrm>
-            <a:off x="2486649" y="2414902"/>
-            <a:ext cx="5529054" cy="3412930"/>
+            <a:off x="2501863" y="2432735"/>
+            <a:ext cx="5506232" cy="3408653"/>
           </a:xfrm>
           <a:prstGeom prst="line">
             <a:avLst/>
@@ -3470,8 +3475,8 @@
         </p:nvCxnSpPr>
         <p:spPr>
           <a:xfrm flipV="1">
-            <a:off x="2494257" y="2414902"/>
-            <a:ext cx="5521446" cy="3419708"/>
+            <a:off x="2501863" y="2439926"/>
+            <a:ext cx="5506232" cy="3426484"/>
           </a:xfrm>
           <a:prstGeom prst="line">
             <a:avLst/>
@@ -4022,7 +4027,8 @@
             <a:solidFill>
               <a:schemeClr val="tx1"/>
             </a:solidFill>
-            <a:tailEnd type="arrow" w="med" len="lg"/>
+            <a:headEnd type="arrow" w="med" len="lg"/>
+            <a:tailEnd type="none" w="med" len="lg"/>
           </a:ln>
           <a:effectLst>
             <a:outerShdw blurRad="50800" dist="38100" dir="2700000" algn="tl" rotWithShape="0">
@@ -4176,7 +4182,7 @@
         </p:nvSpPr>
         <p:spPr>
           <a:xfrm rot="21237194">
-            <a:off x="4094682" y="4161772"/>
+            <a:off x="4141373" y="4457593"/>
             <a:ext cx="1254938" cy="769441"/>
           </a:xfrm>
           <a:prstGeom prst="rect">

--- a/Doxygen/games/1. Top Down Game/figures.pptx
+++ b/Doxygen/games/1. Top Down Game/figures.pptx
@@ -6,6 +6,7 @@
   </p:sldMasterIdLst>
   <p:sldIdLst>
     <p:sldId id="257" r:id="rId2"/>
+    <p:sldId id="258" r:id="rId3"/>
   </p:sldIdLst>
   <p:sldSz cx="12192000" cy="6858000"/>
   <p:notesSz cx="6858000" cy="9144000"/>
@@ -259,7 +260,7 @@
           <a:p>
             <a:fld id="{A2839C38-3006-452A-84B0-E89CEFF386CE}" type="datetimeFigureOut">
               <a:rPr lang="en-US" smtClean="0"/>
-              <a:t>8/21/2023</a:t>
+              <a:t>8/29/2023</a:t>
             </a:fld>
             <a:endParaRPr lang="en-US"/>
           </a:p>
@@ -457,7 +458,7 @@
           <a:p>
             <a:fld id="{A2839C38-3006-452A-84B0-E89CEFF386CE}" type="datetimeFigureOut">
               <a:rPr lang="en-US" smtClean="0"/>
-              <a:t>8/21/2023</a:t>
+              <a:t>8/29/2023</a:t>
             </a:fld>
             <a:endParaRPr lang="en-US"/>
           </a:p>
@@ -665,7 +666,7 @@
           <a:p>
             <a:fld id="{A2839C38-3006-452A-84B0-E89CEFF386CE}" type="datetimeFigureOut">
               <a:rPr lang="en-US" smtClean="0"/>
-              <a:t>8/21/2023</a:t>
+              <a:t>8/29/2023</a:t>
             </a:fld>
             <a:endParaRPr lang="en-US"/>
           </a:p>
@@ -863,7 +864,7 @@
           <a:p>
             <a:fld id="{A2839C38-3006-452A-84B0-E89CEFF386CE}" type="datetimeFigureOut">
               <a:rPr lang="en-US" smtClean="0"/>
-              <a:t>8/21/2023</a:t>
+              <a:t>8/29/2023</a:t>
             </a:fld>
             <a:endParaRPr lang="en-US"/>
           </a:p>
@@ -1138,7 +1139,7 @@
           <a:p>
             <a:fld id="{A2839C38-3006-452A-84B0-E89CEFF386CE}" type="datetimeFigureOut">
               <a:rPr lang="en-US" smtClean="0"/>
-              <a:t>8/21/2023</a:t>
+              <a:t>8/29/2023</a:t>
             </a:fld>
             <a:endParaRPr lang="en-US"/>
           </a:p>
@@ -1403,7 +1404,7 @@
           <a:p>
             <a:fld id="{A2839C38-3006-452A-84B0-E89CEFF386CE}" type="datetimeFigureOut">
               <a:rPr lang="en-US" smtClean="0"/>
-              <a:t>8/21/2023</a:t>
+              <a:t>8/29/2023</a:t>
             </a:fld>
             <a:endParaRPr lang="en-US"/>
           </a:p>
@@ -1815,7 +1816,7 @@
           <a:p>
             <a:fld id="{A2839C38-3006-452A-84B0-E89CEFF386CE}" type="datetimeFigureOut">
               <a:rPr lang="en-US" smtClean="0"/>
-              <a:t>8/21/2023</a:t>
+              <a:t>8/29/2023</a:t>
             </a:fld>
             <a:endParaRPr lang="en-US"/>
           </a:p>
@@ -1956,7 +1957,7 @@
           <a:p>
             <a:fld id="{A2839C38-3006-452A-84B0-E89CEFF386CE}" type="datetimeFigureOut">
               <a:rPr lang="en-US" smtClean="0"/>
-              <a:t>8/21/2023</a:t>
+              <a:t>8/29/2023</a:t>
             </a:fld>
             <a:endParaRPr lang="en-US"/>
           </a:p>
@@ -2069,7 +2070,7 @@
           <a:p>
             <a:fld id="{A2839C38-3006-452A-84B0-E89CEFF386CE}" type="datetimeFigureOut">
               <a:rPr lang="en-US" smtClean="0"/>
-              <a:t>8/21/2023</a:t>
+              <a:t>8/29/2023</a:t>
             </a:fld>
             <a:endParaRPr lang="en-US"/>
           </a:p>
@@ -2380,7 +2381,7 @@
           <a:p>
             <a:fld id="{A2839C38-3006-452A-84B0-E89CEFF386CE}" type="datetimeFigureOut">
               <a:rPr lang="en-US" smtClean="0"/>
-              <a:t>8/21/2023</a:t>
+              <a:t>8/29/2023</a:t>
             </a:fld>
             <a:endParaRPr lang="en-US"/>
           </a:p>
@@ -2668,7 +2669,7 @@
           <a:p>
             <a:fld id="{A2839C38-3006-452A-84B0-E89CEFF386CE}" type="datetimeFigureOut">
               <a:rPr lang="en-US" smtClean="0"/>
-              <a:t>8/21/2023</a:t>
+              <a:t>8/29/2023</a:t>
             </a:fld>
             <a:endParaRPr lang="en-US"/>
           </a:p>
@@ -2909,7 +2910,7 @@
           <a:p>
             <a:fld id="{A2839C38-3006-452A-84B0-E89CEFF386CE}" type="datetimeFigureOut">
               <a:rPr lang="en-US" smtClean="0"/>
-              <a:t>8/21/2023</a:t>
+              <a:t>8/29/2023</a:t>
             </a:fld>
             <a:endParaRPr lang="en-US"/>
           </a:p>
@@ -4224,6 +4225,1161 @@
 </p:sld>
 </file>
 
+<file path=ppt/slides/slide2.xml><?xml version="1.0" encoding="utf-8"?>
+<p:sld xmlns:a="http://schemas.openxmlformats.org/drawingml/2006/main" xmlns:r="http://schemas.openxmlformats.org/officeDocument/2006/relationships" xmlns:p="http://schemas.openxmlformats.org/presentationml/2006/main">
+  <p:cSld>
+    <p:spTree>
+      <p:nvGrpSpPr>
+        <p:cNvPr id="1" name=""/>
+        <p:cNvGrpSpPr/>
+        <p:nvPr/>
+      </p:nvGrpSpPr>
+      <p:grpSpPr>
+        <a:xfrm>
+          <a:off x="0" y="0"/>
+          <a:ext cx="0" cy="0"/>
+          <a:chOff x="0" y="0"/>
+          <a:chExt cx="0" cy="0"/>
+        </a:xfrm>
+      </p:grpSpPr>
+      <p:cxnSp>
+        <p:nvCxnSpPr>
+          <p:cNvPr id="63" name="Straight Arrow Connector 62">
+            <a:extLst>
+              <a:ext uri="{FF2B5EF4-FFF2-40B4-BE49-F238E27FC236}">
+                <a16:creationId xmlns:a16="http://schemas.microsoft.com/office/drawing/2014/main" id="{F2B64785-FBE2-4CB3-99F2-9F4911EFF60C}"/>
+              </a:ext>
+            </a:extLst>
+          </p:cNvPr>
+          <p:cNvCxnSpPr>
+            <a:cxnSpLocks/>
+          </p:cNvCxnSpPr>
+          <p:nvPr/>
+        </p:nvCxnSpPr>
+        <p:spPr>
+          <a:xfrm>
+            <a:off x="6677235" y="2208091"/>
+            <a:ext cx="613505" cy="712909"/>
+          </a:xfrm>
+          <a:prstGeom prst="straightConnector1">
+            <a:avLst/>
+          </a:prstGeom>
+          <a:ln w="25400">
+            <a:solidFill>
+              <a:schemeClr val="accent6"/>
+            </a:solidFill>
+            <a:headEnd type="arrow" w="med" len="lg"/>
+            <a:tailEnd type="none" w="med" len="lg"/>
+          </a:ln>
+        </p:spPr>
+        <p:style>
+          <a:lnRef idx="1">
+            <a:schemeClr val="accent1"/>
+          </a:lnRef>
+          <a:fillRef idx="0">
+            <a:schemeClr val="accent1"/>
+          </a:fillRef>
+          <a:effectRef idx="0">
+            <a:schemeClr val="accent1"/>
+          </a:effectRef>
+          <a:fontRef idx="minor">
+            <a:schemeClr val="tx1"/>
+          </a:fontRef>
+        </p:style>
+      </p:cxnSp>
+      <p:cxnSp>
+        <p:nvCxnSpPr>
+          <p:cNvPr id="66" name="Straight Arrow Connector 65">
+            <a:extLst>
+              <a:ext uri="{FF2B5EF4-FFF2-40B4-BE49-F238E27FC236}">
+                <a16:creationId xmlns:a16="http://schemas.microsoft.com/office/drawing/2014/main" id="{B76EA861-F453-4100-817C-857249AF8D02}"/>
+              </a:ext>
+            </a:extLst>
+          </p:cNvPr>
+          <p:cNvCxnSpPr>
+            <a:cxnSpLocks/>
+          </p:cNvCxnSpPr>
+          <p:nvPr/>
+        </p:nvCxnSpPr>
+        <p:spPr>
+          <a:xfrm flipH="1">
+            <a:off x="5352409" y="2273300"/>
+            <a:ext cx="413391" cy="619952"/>
+          </a:xfrm>
+          <a:prstGeom prst="straightConnector1">
+            <a:avLst/>
+          </a:prstGeom>
+          <a:ln w="25400">
+            <a:solidFill>
+              <a:schemeClr val="accent5"/>
+            </a:solidFill>
+            <a:headEnd type="none" w="med" len="lg"/>
+            <a:tailEnd type="arrow" w="med" len="lg"/>
+          </a:ln>
+        </p:spPr>
+        <p:style>
+          <a:lnRef idx="1">
+            <a:schemeClr val="accent1"/>
+          </a:lnRef>
+          <a:fillRef idx="0">
+            <a:schemeClr val="accent1"/>
+          </a:fillRef>
+          <a:effectRef idx="0">
+            <a:schemeClr val="accent1"/>
+          </a:effectRef>
+          <a:fontRef idx="minor">
+            <a:schemeClr val="tx1"/>
+          </a:fontRef>
+        </p:style>
+      </p:cxnSp>
+      <p:cxnSp>
+        <p:nvCxnSpPr>
+          <p:cNvPr id="76" name="Straight Arrow Connector 75">
+            <a:extLst>
+              <a:ext uri="{FF2B5EF4-FFF2-40B4-BE49-F238E27FC236}">
+                <a16:creationId xmlns:a16="http://schemas.microsoft.com/office/drawing/2014/main" id="{47A7AA03-043B-488F-8657-3DC2AB3B2A4B}"/>
+              </a:ext>
+            </a:extLst>
+          </p:cNvPr>
+          <p:cNvCxnSpPr>
+            <a:cxnSpLocks/>
+            <a:endCxn id="20" idx="1"/>
+          </p:cNvCxnSpPr>
+          <p:nvPr/>
+        </p:nvCxnSpPr>
+        <p:spPr>
+          <a:xfrm>
+            <a:off x="5238750" y="4006850"/>
+            <a:ext cx="516669" cy="784868"/>
+          </a:xfrm>
+          <a:prstGeom prst="straightConnector1">
+            <a:avLst/>
+          </a:prstGeom>
+          <a:ln w="25400">
+            <a:solidFill>
+              <a:srgbClr val="7030A0"/>
+            </a:solidFill>
+            <a:headEnd type="none"/>
+            <a:tailEnd type="arrow" w="med" len="lg"/>
+          </a:ln>
+        </p:spPr>
+        <p:style>
+          <a:lnRef idx="1">
+            <a:schemeClr val="accent1"/>
+          </a:lnRef>
+          <a:fillRef idx="0">
+            <a:schemeClr val="accent1"/>
+          </a:fillRef>
+          <a:effectRef idx="0">
+            <a:schemeClr val="accent1"/>
+          </a:effectRef>
+          <a:fontRef idx="minor">
+            <a:schemeClr val="tx1"/>
+          </a:fontRef>
+        </p:style>
+      </p:cxnSp>
+      <p:cxnSp>
+        <p:nvCxnSpPr>
+          <p:cNvPr id="60" name="Straight Arrow Connector 59">
+            <a:extLst>
+              <a:ext uri="{FF2B5EF4-FFF2-40B4-BE49-F238E27FC236}">
+                <a16:creationId xmlns:a16="http://schemas.microsoft.com/office/drawing/2014/main" id="{970480BA-DD21-4B5E-B032-99E50210808D}"/>
+              </a:ext>
+            </a:extLst>
+          </p:cNvPr>
+          <p:cNvCxnSpPr>
+            <a:cxnSpLocks/>
+            <a:endCxn id="18" idx="1"/>
+          </p:cNvCxnSpPr>
+          <p:nvPr/>
+        </p:nvCxnSpPr>
+        <p:spPr>
+          <a:xfrm>
+            <a:off x="6494591" y="2292285"/>
+            <a:ext cx="606343" cy="710337"/>
+          </a:xfrm>
+          <a:prstGeom prst="straightConnector1">
+            <a:avLst/>
+          </a:prstGeom>
+          <a:ln w="25400">
+            <a:solidFill>
+              <a:schemeClr val="accent6"/>
+            </a:solidFill>
+            <a:headEnd type="none"/>
+            <a:tailEnd type="arrow" w="med" len="lg"/>
+          </a:ln>
+        </p:spPr>
+        <p:style>
+          <a:lnRef idx="1">
+            <a:schemeClr val="accent1"/>
+          </a:lnRef>
+          <a:fillRef idx="0">
+            <a:schemeClr val="accent1"/>
+          </a:fillRef>
+          <a:effectRef idx="0">
+            <a:schemeClr val="accent1"/>
+          </a:effectRef>
+          <a:fontRef idx="minor">
+            <a:schemeClr val="tx1"/>
+          </a:fontRef>
+        </p:style>
+      </p:cxnSp>
+      <p:cxnSp>
+        <p:nvCxnSpPr>
+          <p:cNvPr id="43" name="Straight Arrow Connector 42">
+            <a:extLst>
+              <a:ext uri="{FF2B5EF4-FFF2-40B4-BE49-F238E27FC236}">
+                <a16:creationId xmlns:a16="http://schemas.microsoft.com/office/drawing/2014/main" id="{FB294D94-931E-4C23-B1DF-5D83BE3E9FA3}"/>
+              </a:ext>
+            </a:extLst>
+          </p:cNvPr>
+          <p:cNvCxnSpPr>
+            <a:cxnSpLocks/>
+          </p:cNvCxnSpPr>
+          <p:nvPr/>
+        </p:nvCxnSpPr>
+        <p:spPr>
+          <a:xfrm flipH="1">
+            <a:off x="5656568" y="3610184"/>
+            <a:ext cx="1866933" cy="0"/>
+          </a:xfrm>
+          <a:prstGeom prst="straightConnector1">
+            <a:avLst/>
+          </a:prstGeom>
+          <a:ln w="25400">
+            <a:solidFill>
+              <a:schemeClr val="accent5"/>
+            </a:solidFill>
+            <a:headEnd type="none"/>
+            <a:tailEnd type="arrow" w="med" len="lg"/>
+          </a:ln>
+        </p:spPr>
+        <p:style>
+          <a:lnRef idx="1">
+            <a:schemeClr val="accent1"/>
+          </a:lnRef>
+          <a:fillRef idx="0">
+            <a:schemeClr val="accent1"/>
+          </a:fillRef>
+          <a:effectRef idx="0">
+            <a:schemeClr val="accent1"/>
+          </a:effectRef>
+          <a:fontRef idx="minor">
+            <a:schemeClr val="tx1"/>
+          </a:fontRef>
+        </p:style>
+      </p:cxnSp>
+      <p:cxnSp>
+        <p:nvCxnSpPr>
+          <p:cNvPr id="10" name="Straight Arrow Connector 9">
+            <a:extLst>
+              <a:ext uri="{FF2B5EF4-FFF2-40B4-BE49-F238E27FC236}">
+                <a16:creationId xmlns:a16="http://schemas.microsoft.com/office/drawing/2014/main" id="{A43DCDE9-871A-40AD-8E27-53ED0D18791C}"/>
+              </a:ext>
+            </a:extLst>
+          </p:cNvPr>
+          <p:cNvCxnSpPr>
+            <a:cxnSpLocks/>
+          </p:cNvCxnSpPr>
+          <p:nvPr/>
+        </p:nvCxnSpPr>
+        <p:spPr>
+          <a:xfrm>
+            <a:off x="5193018" y="1168659"/>
+            <a:ext cx="463550" cy="301675"/>
+          </a:xfrm>
+          <a:prstGeom prst="straightConnector1">
+            <a:avLst/>
+          </a:prstGeom>
+          <a:ln w="25400">
+            <a:solidFill>
+              <a:schemeClr val="tx1"/>
+            </a:solidFill>
+            <a:headEnd type="none"/>
+            <a:tailEnd type="arrow" w="med" len="lg"/>
+          </a:ln>
+        </p:spPr>
+        <p:style>
+          <a:lnRef idx="1">
+            <a:schemeClr val="accent1"/>
+          </a:lnRef>
+          <a:fillRef idx="0">
+            <a:schemeClr val="accent1"/>
+          </a:fillRef>
+          <a:effectRef idx="0">
+            <a:schemeClr val="accent1"/>
+          </a:effectRef>
+          <a:fontRef idx="minor">
+            <a:schemeClr val="tx1"/>
+          </a:fontRef>
+        </p:style>
+      </p:cxnSp>
+      <p:grpSp>
+        <p:nvGrpSpPr>
+          <p:cNvPr id="24" name="Group 23">
+            <a:extLst>
+              <a:ext uri="{FF2B5EF4-FFF2-40B4-BE49-F238E27FC236}">
+                <a16:creationId xmlns:a16="http://schemas.microsoft.com/office/drawing/2014/main" id="{7268972F-8701-4966-AF7D-610324A44951}"/>
+              </a:ext>
+            </a:extLst>
+          </p:cNvPr>
+          <p:cNvGrpSpPr/>
+          <p:nvPr/>
+        </p:nvGrpSpPr>
+        <p:grpSpPr>
+          <a:xfrm>
+            <a:off x="5577083" y="1183151"/>
+            <a:ext cx="1259862" cy="1259862"/>
+            <a:chOff x="4791687" y="1876388"/>
+            <a:chExt cx="1259862" cy="1259862"/>
+          </a:xfrm>
+        </p:grpSpPr>
+        <p:sp>
+          <p:nvSpPr>
+            <p:cNvPr id="12" name="Oval 11">
+              <a:extLst>
+                <a:ext uri="{FF2B5EF4-FFF2-40B4-BE49-F238E27FC236}">
+                  <a16:creationId xmlns:a16="http://schemas.microsoft.com/office/drawing/2014/main" id="{DF7A6705-C742-4599-950E-4A7F10013925}"/>
+                </a:ext>
+              </a:extLst>
+            </p:cNvPr>
+            <p:cNvSpPr/>
+            <p:nvPr/>
+          </p:nvSpPr>
+          <p:spPr>
+            <a:xfrm>
+              <a:off x="4791687" y="1876388"/>
+              <a:ext cx="1259862" cy="1259862"/>
+            </a:xfrm>
+            <a:prstGeom prst="ellipse">
+              <a:avLst/>
+            </a:prstGeom>
+            <a:solidFill>
+              <a:schemeClr val="bg1"/>
+            </a:solidFill>
+            <a:ln w="25400">
+              <a:solidFill>
+                <a:schemeClr val="tx1"/>
+              </a:solidFill>
+            </a:ln>
+          </p:spPr>
+          <p:style>
+            <a:lnRef idx="2">
+              <a:schemeClr val="accent1">
+                <a:shade val="50000"/>
+              </a:schemeClr>
+            </a:lnRef>
+            <a:fillRef idx="1">
+              <a:schemeClr val="accent1"/>
+            </a:fillRef>
+            <a:effectRef idx="0">
+              <a:schemeClr val="accent1"/>
+            </a:effectRef>
+            <a:fontRef idx="minor">
+              <a:schemeClr val="lt1"/>
+            </a:fontRef>
+          </p:style>
+          <p:txBody>
+            <a:bodyPr rtlCol="0" anchor="ctr"/>
+            <a:lstStyle/>
+            <a:p>
+              <a:pPr algn="ctr"/>
+              <a:endParaRPr lang="en-US" dirty="0">
+                <a:solidFill>
+                  <a:schemeClr val="tx1"/>
+                </a:solidFill>
+              </a:endParaRPr>
+            </a:p>
+          </p:txBody>
+        </p:sp>
+        <p:sp>
+          <p:nvSpPr>
+            <p:cNvPr id="15" name="TextBox 14">
+              <a:extLst>
+                <a:ext uri="{FF2B5EF4-FFF2-40B4-BE49-F238E27FC236}">
+                  <a16:creationId xmlns:a16="http://schemas.microsoft.com/office/drawing/2014/main" id="{82988DC6-AFD5-4329-BEFB-44C8DA0157A1}"/>
+                </a:ext>
+              </a:extLst>
+            </p:cNvPr>
+            <p:cNvSpPr txBox="1"/>
+            <p:nvPr/>
+          </p:nvSpPr>
+          <p:spPr>
+            <a:xfrm>
+              <a:off x="4791687" y="2321653"/>
+              <a:ext cx="1259862" cy="369332"/>
+            </a:xfrm>
+            <a:prstGeom prst="rect">
+              <a:avLst/>
+            </a:prstGeom>
+            <a:noFill/>
+          </p:spPr>
+          <p:txBody>
+            <a:bodyPr wrap="square" rtlCol="0">
+              <a:spAutoFit/>
+            </a:bodyPr>
+            <a:lstStyle/>
+            <a:p>
+              <a:pPr algn="ctr"/>
+              <a:r>
+                <a:rPr lang="en-US" dirty="0"/>
+                <a:t>Scanning</a:t>
+              </a:r>
+            </a:p>
+          </p:txBody>
+        </p:sp>
+      </p:grpSp>
+      <p:grpSp>
+        <p:nvGrpSpPr>
+          <p:cNvPr id="23" name="Group 22">
+            <a:extLst>
+              <a:ext uri="{FF2B5EF4-FFF2-40B4-BE49-F238E27FC236}">
+                <a16:creationId xmlns:a16="http://schemas.microsoft.com/office/drawing/2014/main" id="{D6378F9E-FE74-444E-B944-1007583CA59E}"/>
+              </a:ext>
+            </a:extLst>
+          </p:cNvPr>
+          <p:cNvGrpSpPr/>
+          <p:nvPr/>
+        </p:nvGrpSpPr>
+        <p:grpSpPr>
+          <a:xfrm>
+            <a:off x="4396706" y="2818119"/>
+            <a:ext cx="1260095" cy="1259862"/>
+            <a:chOff x="4022056" y="3429000"/>
+            <a:chExt cx="1260095" cy="1259862"/>
+          </a:xfrm>
+        </p:grpSpPr>
+        <p:sp>
+          <p:nvSpPr>
+            <p:cNvPr id="16" name="Oval 15">
+              <a:extLst>
+                <a:ext uri="{FF2B5EF4-FFF2-40B4-BE49-F238E27FC236}">
+                  <a16:creationId xmlns:a16="http://schemas.microsoft.com/office/drawing/2014/main" id="{08F7355E-9A0B-4269-AF84-DB7DD443D6EA}"/>
+                </a:ext>
+              </a:extLst>
+            </p:cNvPr>
+            <p:cNvSpPr/>
+            <p:nvPr/>
+          </p:nvSpPr>
+          <p:spPr>
+            <a:xfrm>
+              <a:off x="4022289" y="3429000"/>
+              <a:ext cx="1259862" cy="1259862"/>
+            </a:xfrm>
+            <a:prstGeom prst="ellipse">
+              <a:avLst/>
+            </a:prstGeom>
+            <a:solidFill>
+              <a:schemeClr val="bg1"/>
+            </a:solidFill>
+            <a:ln w="25400">
+              <a:solidFill>
+                <a:schemeClr val="tx1"/>
+              </a:solidFill>
+            </a:ln>
+          </p:spPr>
+          <p:style>
+            <a:lnRef idx="2">
+              <a:schemeClr val="accent1">
+                <a:shade val="50000"/>
+              </a:schemeClr>
+            </a:lnRef>
+            <a:fillRef idx="1">
+              <a:schemeClr val="accent1"/>
+            </a:fillRef>
+            <a:effectRef idx="0">
+              <a:schemeClr val="accent1"/>
+            </a:effectRef>
+            <a:fontRef idx="minor">
+              <a:schemeClr val="lt1"/>
+            </a:fontRef>
+          </p:style>
+          <p:txBody>
+            <a:bodyPr rtlCol="0" anchor="ctr"/>
+            <a:lstStyle/>
+            <a:p>
+              <a:pPr algn="ctr"/>
+              <a:endParaRPr lang="en-US" dirty="0">
+                <a:solidFill>
+                  <a:schemeClr val="tx1"/>
+                </a:solidFill>
+              </a:endParaRPr>
+            </a:p>
+          </p:txBody>
+        </p:sp>
+        <p:sp>
+          <p:nvSpPr>
+            <p:cNvPr id="17" name="TextBox 16">
+              <a:extLst>
+                <a:ext uri="{FF2B5EF4-FFF2-40B4-BE49-F238E27FC236}">
+                  <a16:creationId xmlns:a16="http://schemas.microsoft.com/office/drawing/2014/main" id="{25CAC6C4-7937-4BD8-91FF-5F881CA568B7}"/>
+                </a:ext>
+              </a:extLst>
+            </p:cNvPr>
+            <p:cNvSpPr txBox="1"/>
+            <p:nvPr/>
+          </p:nvSpPr>
+          <p:spPr>
+            <a:xfrm>
+              <a:off x="4022056" y="3874265"/>
+              <a:ext cx="1259863" cy="369332"/>
+            </a:xfrm>
+            <a:prstGeom prst="rect">
+              <a:avLst/>
+            </a:prstGeom>
+            <a:noFill/>
+          </p:spPr>
+          <p:txBody>
+            <a:bodyPr wrap="square" rtlCol="0">
+              <a:spAutoFit/>
+            </a:bodyPr>
+            <a:lstStyle/>
+            <a:p>
+              <a:pPr algn="ctr"/>
+              <a:r>
+                <a:rPr lang="en-US" dirty="0"/>
+                <a:t>Alert</a:t>
+              </a:r>
+            </a:p>
+          </p:txBody>
+        </p:sp>
+      </p:grpSp>
+      <p:grpSp>
+        <p:nvGrpSpPr>
+          <p:cNvPr id="25" name="Group 24">
+            <a:extLst>
+              <a:ext uri="{FF2B5EF4-FFF2-40B4-BE49-F238E27FC236}">
+                <a16:creationId xmlns:a16="http://schemas.microsoft.com/office/drawing/2014/main" id="{8FAE3819-4A21-4B21-AB2D-59F317A9B3AD}"/>
+              </a:ext>
+            </a:extLst>
+          </p:cNvPr>
+          <p:cNvGrpSpPr/>
+          <p:nvPr/>
+        </p:nvGrpSpPr>
+        <p:grpSpPr>
+          <a:xfrm>
+            <a:off x="6916431" y="2818119"/>
+            <a:ext cx="1259862" cy="1259862"/>
+            <a:chOff x="6279920" y="3429000"/>
+            <a:chExt cx="1259862" cy="1259862"/>
+          </a:xfrm>
+        </p:grpSpPr>
+        <p:sp>
+          <p:nvSpPr>
+            <p:cNvPr id="18" name="Oval 17">
+              <a:extLst>
+                <a:ext uri="{FF2B5EF4-FFF2-40B4-BE49-F238E27FC236}">
+                  <a16:creationId xmlns:a16="http://schemas.microsoft.com/office/drawing/2014/main" id="{F2BE1F28-1F86-4113-B060-A8E9BF8CE479}"/>
+                </a:ext>
+              </a:extLst>
+            </p:cNvPr>
+            <p:cNvSpPr/>
+            <p:nvPr/>
+          </p:nvSpPr>
+          <p:spPr>
+            <a:xfrm>
+              <a:off x="6279920" y="3429000"/>
+              <a:ext cx="1259862" cy="1259862"/>
+            </a:xfrm>
+            <a:prstGeom prst="ellipse">
+              <a:avLst/>
+            </a:prstGeom>
+            <a:solidFill>
+              <a:schemeClr val="bg1"/>
+            </a:solidFill>
+            <a:ln w="25400">
+              <a:solidFill>
+                <a:schemeClr val="tx1"/>
+              </a:solidFill>
+            </a:ln>
+          </p:spPr>
+          <p:style>
+            <a:lnRef idx="2">
+              <a:schemeClr val="accent1">
+                <a:shade val="50000"/>
+              </a:schemeClr>
+            </a:lnRef>
+            <a:fillRef idx="1">
+              <a:schemeClr val="accent1"/>
+            </a:fillRef>
+            <a:effectRef idx="0">
+              <a:schemeClr val="accent1"/>
+            </a:effectRef>
+            <a:fontRef idx="minor">
+              <a:schemeClr val="lt1"/>
+            </a:fontRef>
+          </p:style>
+          <p:txBody>
+            <a:bodyPr rtlCol="0" anchor="ctr"/>
+            <a:lstStyle/>
+            <a:p>
+              <a:pPr algn="ctr"/>
+              <a:endParaRPr lang="en-US" dirty="0">
+                <a:solidFill>
+                  <a:schemeClr val="tx1"/>
+                </a:solidFill>
+              </a:endParaRPr>
+            </a:p>
+          </p:txBody>
+        </p:sp>
+        <p:sp>
+          <p:nvSpPr>
+            <p:cNvPr id="19" name="TextBox 18">
+              <a:extLst>
+                <a:ext uri="{FF2B5EF4-FFF2-40B4-BE49-F238E27FC236}">
+                  <a16:creationId xmlns:a16="http://schemas.microsoft.com/office/drawing/2014/main" id="{6CB83623-CEA4-493C-B170-BB91E23FA72C}"/>
+                </a:ext>
+              </a:extLst>
+            </p:cNvPr>
+            <p:cNvSpPr txBox="1"/>
+            <p:nvPr/>
+          </p:nvSpPr>
+          <p:spPr>
+            <a:xfrm>
+              <a:off x="6279920" y="3874265"/>
+              <a:ext cx="1259862" cy="369332"/>
+            </a:xfrm>
+            <a:prstGeom prst="rect">
+              <a:avLst/>
+            </a:prstGeom>
+            <a:noFill/>
+          </p:spPr>
+          <p:txBody>
+            <a:bodyPr wrap="square" rtlCol="0">
+              <a:spAutoFit/>
+            </a:bodyPr>
+            <a:lstStyle/>
+            <a:p>
+              <a:pPr algn="ctr"/>
+              <a:r>
+                <a:rPr lang="en-US" dirty="0"/>
+                <a:t>Waiting</a:t>
+              </a:r>
+            </a:p>
+          </p:txBody>
+        </p:sp>
+      </p:grpSp>
+      <p:grpSp>
+        <p:nvGrpSpPr>
+          <p:cNvPr id="22" name="Group 21">
+            <a:extLst>
+              <a:ext uri="{FF2B5EF4-FFF2-40B4-BE49-F238E27FC236}">
+                <a16:creationId xmlns:a16="http://schemas.microsoft.com/office/drawing/2014/main" id="{56837DA6-836A-4144-987E-5C674AF9B8B1}"/>
+              </a:ext>
+            </a:extLst>
+          </p:cNvPr>
+          <p:cNvGrpSpPr/>
+          <p:nvPr/>
+        </p:nvGrpSpPr>
+        <p:grpSpPr>
+          <a:xfrm>
+            <a:off x="5570916" y="4607215"/>
+            <a:ext cx="1259862" cy="1259862"/>
+            <a:chOff x="5282151" y="4981612"/>
+            <a:chExt cx="1259862" cy="1259862"/>
+          </a:xfrm>
+        </p:grpSpPr>
+        <p:sp>
+          <p:nvSpPr>
+            <p:cNvPr id="20" name="Oval 19">
+              <a:extLst>
+                <a:ext uri="{FF2B5EF4-FFF2-40B4-BE49-F238E27FC236}">
+                  <a16:creationId xmlns:a16="http://schemas.microsoft.com/office/drawing/2014/main" id="{B290872A-F489-4AD0-93C4-A586CF39D1D1}"/>
+                </a:ext>
+              </a:extLst>
+            </p:cNvPr>
+            <p:cNvSpPr/>
+            <p:nvPr/>
+          </p:nvSpPr>
+          <p:spPr>
+            <a:xfrm>
+              <a:off x="5282151" y="4981612"/>
+              <a:ext cx="1259862" cy="1259862"/>
+            </a:xfrm>
+            <a:prstGeom prst="ellipse">
+              <a:avLst/>
+            </a:prstGeom>
+            <a:solidFill>
+              <a:schemeClr val="bg1"/>
+            </a:solidFill>
+            <a:ln w="25400">
+              <a:solidFill>
+                <a:schemeClr val="tx1"/>
+              </a:solidFill>
+            </a:ln>
+          </p:spPr>
+          <p:style>
+            <a:lnRef idx="2">
+              <a:schemeClr val="accent1">
+                <a:shade val="50000"/>
+              </a:schemeClr>
+            </a:lnRef>
+            <a:fillRef idx="1">
+              <a:schemeClr val="accent1"/>
+            </a:fillRef>
+            <a:effectRef idx="0">
+              <a:schemeClr val="accent1"/>
+            </a:effectRef>
+            <a:fontRef idx="minor">
+              <a:schemeClr val="lt1"/>
+            </a:fontRef>
+          </p:style>
+          <p:txBody>
+            <a:bodyPr rtlCol="0" anchor="ctr"/>
+            <a:lstStyle/>
+            <a:p>
+              <a:pPr algn="ctr"/>
+              <a:endParaRPr lang="en-US" dirty="0">
+                <a:solidFill>
+                  <a:schemeClr val="tx1"/>
+                </a:solidFill>
+              </a:endParaRPr>
+            </a:p>
+          </p:txBody>
+        </p:sp>
+        <p:sp>
+          <p:nvSpPr>
+            <p:cNvPr id="21" name="TextBox 20">
+              <a:extLst>
+                <a:ext uri="{FF2B5EF4-FFF2-40B4-BE49-F238E27FC236}">
+                  <a16:creationId xmlns:a16="http://schemas.microsoft.com/office/drawing/2014/main" id="{671345F9-B333-4E10-8148-322C164741B8}"/>
+                </a:ext>
+              </a:extLst>
+            </p:cNvPr>
+            <p:cNvSpPr txBox="1"/>
+            <p:nvPr/>
+          </p:nvSpPr>
+          <p:spPr>
+            <a:xfrm>
+              <a:off x="5342269" y="5426877"/>
+              <a:ext cx="1139625" cy="369332"/>
+            </a:xfrm>
+            <a:prstGeom prst="rect">
+              <a:avLst/>
+            </a:prstGeom>
+            <a:noFill/>
+          </p:spPr>
+          <p:txBody>
+            <a:bodyPr wrap="square" rtlCol="0">
+              <a:spAutoFit/>
+            </a:bodyPr>
+            <a:lstStyle/>
+            <a:p>
+              <a:pPr algn="ctr"/>
+              <a:r>
+                <a:rPr lang="en-US" dirty="0"/>
+                <a:t>Reloading</a:t>
+              </a:r>
+            </a:p>
+          </p:txBody>
+        </p:sp>
+      </p:grpSp>
+      <p:sp>
+        <p:nvSpPr>
+          <p:cNvPr id="42" name="TextBox 41">
+            <a:extLst>
+              <a:ext uri="{FF2B5EF4-FFF2-40B4-BE49-F238E27FC236}">
+                <a16:creationId xmlns:a16="http://schemas.microsoft.com/office/drawing/2014/main" id="{D68AD9CD-445F-4AD6-BE37-C98D46DB1E8E}"/>
+              </a:ext>
+            </a:extLst>
+          </p:cNvPr>
+          <p:cNvSpPr txBox="1"/>
+          <p:nvPr/>
+        </p:nvSpPr>
+        <p:spPr>
+          <a:xfrm>
+            <a:off x="4521343" y="2151489"/>
+            <a:ext cx="1203890" cy="461665"/>
+          </a:xfrm>
+          <a:prstGeom prst="rect">
+            <a:avLst/>
+          </a:prstGeom>
+          <a:noFill/>
+        </p:spPr>
+        <p:txBody>
+          <a:bodyPr wrap="square" rtlCol="0">
+            <a:spAutoFit/>
+          </a:bodyPr>
+          <a:lstStyle/>
+          <a:p>
+            <a:pPr algn="ctr"/>
+            <a:r>
+              <a:rPr lang="en-US" sz="1200" dirty="0">
+                <a:solidFill>
+                  <a:schemeClr val="accent5"/>
+                </a:solidFill>
+              </a:rPr>
+              <a:t>Player close or vulnerable</a:t>
+            </a:r>
+          </a:p>
+        </p:txBody>
+      </p:sp>
+      <p:sp>
+        <p:nvSpPr>
+          <p:cNvPr id="47" name="TextBox 46">
+            <a:extLst>
+              <a:ext uri="{FF2B5EF4-FFF2-40B4-BE49-F238E27FC236}">
+                <a16:creationId xmlns:a16="http://schemas.microsoft.com/office/drawing/2014/main" id="{E8AF4531-1C87-486E-BDFA-44916723E2C8}"/>
+              </a:ext>
+            </a:extLst>
+          </p:cNvPr>
+          <p:cNvSpPr txBox="1"/>
+          <p:nvPr/>
+        </p:nvSpPr>
+        <p:spPr>
+          <a:xfrm>
+            <a:off x="5783442" y="3629439"/>
+            <a:ext cx="1203890" cy="461665"/>
+          </a:xfrm>
+          <a:prstGeom prst="rect">
+            <a:avLst/>
+          </a:prstGeom>
+          <a:noFill/>
+        </p:spPr>
+        <p:txBody>
+          <a:bodyPr wrap="square" rtlCol="0">
+            <a:spAutoFit/>
+          </a:bodyPr>
+          <a:lstStyle/>
+          <a:p>
+            <a:pPr algn="ctr"/>
+            <a:r>
+              <a:rPr lang="en-US" sz="1200" dirty="0">
+                <a:solidFill>
+                  <a:schemeClr val="accent5"/>
+                </a:solidFill>
+              </a:rPr>
+              <a:t>Player close or vulnerable</a:t>
+            </a:r>
+          </a:p>
+        </p:txBody>
+      </p:sp>
+      <p:cxnSp>
+        <p:nvCxnSpPr>
+          <p:cNvPr id="50" name="Straight Arrow Connector 49">
+            <a:extLst>
+              <a:ext uri="{FF2B5EF4-FFF2-40B4-BE49-F238E27FC236}">
+                <a16:creationId xmlns:a16="http://schemas.microsoft.com/office/drawing/2014/main" id="{A9D4E939-A4E6-402E-BEA3-C44CCA0C71DA}"/>
+              </a:ext>
+            </a:extLst>
+          </p:cNvPr>
+          <p:cNvCxnSpPr>
+            <a:cxnSpLocks/>
+            <a:stCxn id="20" idx="7"/>
+          </p:cNvCxnSpPr>
+          <p:nvPr/>
+        </p:nvCxnSpPr>
+        <p:spPr>
+          <a:xfrm flipV="1">
+            <a:off x="6646275" y="4006850"/>
+            <a:ext cx="592668" cy="784868"/>
+          </a:xfrm>
+          <a:prstGeom prst="straightConnector1">
+            <a:avLst/>
+          </a:prstGeom>
+          <a:ln w="25400">
+            <a:solidFill>
+              <a:srgbClr val="7030A0"/>
+            </a:solidFill>
+            <a:headEnd type="none"/>
+            <a:tailEnd type="arrow" w="med" len="lg"/>
+          </a:ln>
+        </p:spPr>
+        <p:style>
+          <a:lnRef idx="1">
+            <a:schemeClr val="accent1"/>
+          </a:lnRef>
+          <a:fillRef idx="0">
+            <a:schemeClr val="accent1"/>
+          </a:fillRef>
+          <a:effectRef idx="0">
+            <a:schemeClr val="accent1"/>
+          </a:effectRef>
+          <a:fontRef idx="minor">
+            <a:schemeClr val="tx1"/>
+          </a:fontRef>
+        </p:style>
+      </p:cxnSp>
+      <p:sp>
+        <p:nvSpPr>
+          <p:cNvPr id="53" name="TextBox 52">
+            <a:extLst>
+              <a:ext uri="{FF2B5EF4-FFF2-40B4-BE49-F238E27FC236}">
+                <a16:creationId xmlns:a16="http://schemas.microsoft.com/office/drawing/2014/main" id="{F5B09D50-E080-4330-A920-322BD43F083B}"/>
+              </a:ext>
+            </a:extLst>
+          </p:cNvPr>
+          <p:cNvSpPr txBox="1"/>
+          <p:nvPr/>
+        </p:nvSpPr>
+        <p:spPr>
+          <a:xfrm>
+            <a:off x="6925909" y="4363259"/>
+            <a:ext cx="1203890" cy="461665"/>
+          </a:xfrm>
+          <a:prstGeom prst="rect">
+            <a:avLst/>
+          </a:prstGeom>
+          <a:noFill/>
+        </p:spPr>
+        <p:txBody>
+          <a:bodyPr wrap="square" rtlCol="0">
+            <a:spAutoFit/>
+          </a:bodyPr>
+          <a:lstStyle/>
+          <a:p>
+            <a:pPr algn="ctr"/>
+            <a:r>
+              <a:rPr lang="en-US" sz="1200" dirty="0">
+                <a:solidFill>
+                  <a:srgbClr val="7030A0"/>
+                </a:solidFill>
+              </a:rPr>
+              <a:t>Frame event for last frame</a:t>
+            </a:r>
+          </a:p>
+        </p:txBody>
+      </p:sp>
+      <p:sp>
+        <p:nvSpPr>
+          <p:cNvPr id="56" name="TextBox 55">
+            <a:extLst>
+              <a:ext uri="{FF2B5EF4-FFF2-40B4-BE49-F238E27FC236}">
+                <a16:creationId xmlns:a16="http://schemas.microsoft.com/office/drawing/2014/main" id="{32DA31B7-2BD4-4497-B03C-0E8DFC129A1E}"/>
+              </a:ext>
+            </a:extLst>
+          </p:cNvPr>
+          <p:cNvSpPr txBox="1"/>
+          <p:nvPr/>
+        </p:nvSpPr>
+        <p:spPr>
+          <a:xfrm rot="3004434">
+            <a:off x="6189978" y="2551724"/>
+            <a:ext cx="875680" cy="461665"/>
+          </a:xfrm>
+          <a:prstGeom prst="rect">
+            <a:avLst/>
+          </a:prstGeom>
+          <a:noFill/>
+        </p:spPr>
+        <p:txBody>
+          <a:bodyPr wrap="square" rtlCol="0">
+            <a:spAutoFit/>
+          </a:bodyPr>
+          <a:lstStyle/>
+          <a:p>
+            <a:pPr algn="ctr"/>
+            <a:r>
+              <a:rPr lang="en-US" sz="1200" dirty="0">
+                <a:solidFill>
+                  <a:schemeClr val="accent6"/>
+                </a:solidFill>
+              </a:rPr>
+              <a:t>Scanning</a:t>
+            </a:r>
+          </a:p>
+          <a:p>
+            <a:pPr algn="ctr"/>
+            <a:r>
+              <a:rPr lang="en-US" sz="1200" dirty="0">
+                <a:solidFill>
+                  <a:schemeClr val="accent6"/>
+                </a:solidFill>
+              </a:rPr>
+              <a:t> event</a:t>
+            </a:r>
+          </a:p>
+        </p:txBody>
+      </p:sp>
+      <p:sp>
+        <p:nvSpPr>
+          <p:cNvPr id="57" name="TextBox 56">
+            <a:extLst>
+              <a:ext uri="{FF2B5EF4-FFF2-40B4-BE49-F238E27FC236}">
+                <a16:creationId xmlns:a16="http://schemas.microsoft.com/office/drawing/2014/main" id="{2D75520B-2337-4C24-99E8-C250ED55B616}"/>
+              </a:ext>
+            </a:extLst>
+          </p:cNvPr>
+          <p:cNvSpPr txBox="1"/>
+          <p:nvPr/>
+        </p:nvSpPr>
+        <p:spPr>
+          <a:xfrm rot="3013681">
+            <a:off x="6846595" y="2182961"/>
+            <a:ext cx="681813" cy="461665"/>
+          </a:xfrm>
+          <a:prstGeom prst="rect">
+            <a:avLst/>
+          </a:prstGeom>
+          <a:noFill/>
+        </p:spPr>
+        <p:txBody>
+          <a:bodyPr wrap="square" rtlCol="0">
+            <a:spAutoFit/>
+          </a:bodyPr>
+          <a:lstStyle/>
+          <a:p>
+            <a:pPr algn="ctr"/>
+            <a:r>
+              <a:rPr lang="en-US" sz="1200" dirty="0">
+                <a:solidFill>
+                  <a:schemeClr val="accent6"/>
+                </a:solidFill>
+              </a:rPr>
+              <a:t>Waiting</a:t>
+            </a:r>
+          </a:p>
+          <a:p>
+            <a:pPr algn="ctr"/>
+            <a:r>
+              <a:rPr lang="en-US" sz="1200" dirty="0">
+                <a:solidFill>
+                  <a:schemeClr val="accent6"/>
+                </a:solidFill>
+              </a:rPr>
+              <a:t>event</a:t>
+            </a:r>
+          </a:p>
+        </p:txBody>
+      </p:sp>
+      <p:cxnSp>
+        <p:nvCxnSpPr>
+          <p:cNvPr id="67" name="Straight Arrow Connector 66">
+            <a:extLst>
+              <a:ext uri="{FF2B5EF4-FFF2-40B4-BE49-F238E27FC236}">
+                <a16:creationId xmlns:a16="http://schemas.microsoft.com/office/drawing/2014/main" id="{EF2D3B4B-8C49-4F1E-B5A3-FDF0C9C36763}"/>
+              </a:ext>
+            </a:extLst>
+          </p:cNvPr>
+          <p:cNvCxnSpPr>
+            <a:cxnSpLocks/>
+          </p:cNvCxnSpPr>
+          <p:nvPr/>
+        </p:nvCxnSpPr>
+        <p:spPr>
+          <a:xfrm flipH="1">
+            <a:off x="5656569" y="3353009"/>
+            <a:ext cx="1261756" cy="0"/>
+          </a:xfrm>
+          <a:prstGeom prst="straightConnector1">
+            <a:avLst/>
+          </a:prstGeom>
+          <a:ln w="25400">
+            <a:solidFill>
+              <a:schemeClr val="accent6"/>
+            </a:solidFill>
+            <a:headEnd type="arrow" w="med" len="lg"/>
+            <a:tailEnd type="none" w="med" len="lg"/>
+          </a:ln>
+        </p:spPr>
+        <p:style>
+          <a:lnRef idx="1">
+            <a:schemeClr val="accent1"/>
+          </a:lnRef>
+          <a:fillRef idx="0">
+            <a:schemeClr val="accent1"/>
+          </a:fillRef>
+          <a:effectRef idx="0">
+            <a:schemeClr val="accent1"/>
+          </a:effectRef>
+          <a:fontRef idx="minor">
+            <a:schemeClr val="tx1"/>
+          </a:fontRef>
+        </p:style>
+      </p:cxnSp>
+      <p:sp>
+        <p:nvSpPr>
+          <p:cNvPr id="69" name="TextBox 68">
+            <a:extLst>
+              <a:ext uri="{FF2B5EF4-FFF2-40B4-BE49-F238E27FC236}">
+                <a16:creationId xmlns:a16="http://schemas.microsoft.com/office/drawing/2014/main" id="{F947A759-FCA1-44A5-B91F-C83CBB92CEEB}"/>
+              </a:ext>
+            </a:extLst>
+          </p:cNvPr>
+          <p:cNvSpPr txBox="1"/>
+          <p:nvPr/>
+        </p:nvSpPr>
+        <p:spPr>
+          <a:xfrm>
+            <a:off x="5674084" y="3080920"/>
+            <a:ext cx="870811" cy="276999"/>
+          </a:xfrm>
+          <a:prstGeom prst="rect">
+            <a:avLst/>
+          </a:prstGeom>
+          <a:noFill/>
+        </p:spPr>
+        <p:txBody>
+          <a:bodyPr wrap="square" rtlCol="0">
+            <a:spAutoFit/>
+          </a:bodyPr>
+          <a:lstStyle/>
+          <a:p>
+            <a:pPr algn="ctr"/>
+            <a:r>
+              <a:rPr lang="en-US" sz="1200" dirty="0">
+                <a:solidFill>
+                  <a:schemeClr val="accent6"/>
+                </a:solidFill>
+              </a:rPr>
+              <a:t>Alert event</a:t>
+            </a:r>
+          </a:p>
+        </p:txBody>
+      </p:sp>
+      <p:sp>
+        <p:nvSpPr>
+          <p:cNvPr id="81" name="TextBox 80">
+            <a:extLst>
+              <a:ext uri="{FF2B5EF4-FFF2-40B4-BE49-F238E27FC236}">
+                <a16:creationId xmlns:a16="http://schemas.microsoft.com/office/drawing/2014/main" id="{96A35E0B-C74E-41B8-A530-89EE31F5DE49}"/>
+              </a:ext>
+            </a:extLst>
+          </p:cNvPr>
+          <p:cNvSpPr txBox="1"/>
+          <p:nvPr/>
+        </p:nvSpPr>
+        <p:spPr>
+          <a:xfrm>
+            <a:off x="4439290" y="4363259"/>
+            <a:ext cx="1203890" cy="461665"/>
+          </a:xfrm>
+          <a:prstGeom prst="rect">
+            <a:avLst/>
+          </a:prstGeom>
+          <a:noFill/>
+        </p:spPr>
+        <p:txBody>
+          <a:bodyPr wrap="square" rtlCol="0">
+            <a:spAutoFit/>
+          </a:bodyPr>
+          <a:lstStyle/>
+          <a:p>
+            <a:pPr algn="ctr"/>
+            <a:r>
+              <a:rPr lang="en-US" sz="1200" dirty="0">
+                <a:solidFill>
+                  <a:srgbClr val="7030A0"/>
+                </a:solidFill>
+              </a:rPr>
+              <a:t>Aim and Gun fire event</a:t>
+            </a:r>
+          </a:p>
+        </p:txBody>
+      </p:sp>
+    </p:spTree>
+    <p:extLst>
+      <p:ext uri="{BB962C8B-B14F-4D97-AF65-F5344CB8AC3E}">
+        <p14:creationId xmlns:p14="http://schemas.microsoft.com/office/powerpoint/2010/main" val="591250893"/>
+      </p:ext>
+    </p:extLst>
+  </p:cSld>
+  <p:clrMapOvr>
+    <a:masterClrMapping/>
+  </p:clrMapOvr>
+</p:sld>
+</file>
+
 <file path=ppt/theme/theme1.xml><?xml version="1.0" encoding="utf-8"?>
 <a:theme xmlns:a="http://schemas.openxmlformats.org/drawingml/2006/main" name="Office Theme">
   <a:themeElements>
